--- a/6 Quadratic optimization with quantum computing .pptx
+++ b/6 Quadratic optimization with quantum computing .pptx
@@ -2138,7 +2138,7 @@
           <a:p>
             <a:fld id="{CEFB2F96-B852-4E62-A440-A40FC6EE8BF4}" type="datetimeFigureOut">
               <a:rPr lang="hu-HU" smtClean="0"/>
-              <a:t>2022. 04. 24.</a:t>
+              <a:t>2022. 05. 07.</a:t>
             </a:fld>
             <a:endParaRPr lang="hu-HU"/>
           </a:p>
@@ -5347,7 +5347,7 @@
           <a:p>
             <a:fld id="{22B6A5EC-5C40-4D16-A161-35791B9AB6ED}" type="datetimeFigureOut">
               <a:rPr lang="hu-HU" smtClean="0"/>
-              <a:t>2022. 04. 24.</a:t>
+              <a:t>2022. 05. 07.</a:t>
             </a:fld>
             <a:endParaRPr lang="hu-HU"/>
           </a:p>
@@ -5547,7 +5547,7 @@
           <a:p>
             <a:fld id="{22B6A5EC-5C40-4D16-A161-35791B9AB6ED}" type="datetimeFigureOut">
               <a:rPr lang="hu-HU" smtClean="0"/>
-              <a:t>2022. 04. 24.</a:t>
+              <a:t>2022. 05. 07.</a:t>
             </a:fld>
             <a:endParaRPr lang="hu-HU"/>
           </a:p>
@@ -5757,7 +5757,7 @@
           <a:p>
             <a:fld id="{22B6A5EC-5C40-4D16-A161-35791B9AB6ED}" type="datetimeFigureOut">
               <a:rPr lang="hu-HU" smtClean="0"/>
-              <a:t>2022. 04. 24.</a:t>
+              <a:t>2022. 05. 07.</a:t>
             </a:fld>
             <a:endParaRPr lang="hu-HU"/>
           </a:p>
@@ -5957,7 +5957,7 @@
           <a:p>
             <a:fld id="{22B6A5EC-5C40-4D16-A161-35791B9AB6ED}" type="datetimeFigureOut">
               <a:rPr lang="hu-HU" smtClean="0"/>
-              <a:t>2022. 04. 24.</a:t>
+              <a:t>2022. 05. 07.</a:t>
             </a:fld>
             <a:endParaRPr lang="hu-HU"/>
           </a:p>
@@ -6233,7 +6233,7 @@
           <a:p>
             <a:fld id="{22B6A5EC-5C40-4D16-A161-35791B9AB6ED}" type="datetimeFigureOut">
               <a:rPr lang="hu-HU" smtClean="0"/>
-              <a:t>2022. 04. 24.</a:t>
+              <a:t>2022. 05. 07.</a:t>
             </a:fld>
             <a:endParaRPr lang="hu-HU"/>
           </a:p>
@@ -6501,7 +6501,7 @@
           <a:p>
             <a:fld id="{22B6A5EC-5C40-4D16-A161-35791B9AB6ED}" type="datetimeFigureOut">
               <a:rPr lang="hu-HU" smtClean="0"/>
-              <a:t>2022. 04. 24.</a:t>
+              <a:t>2022. 05. 07.</a:t>
             </a:fld>
             <a:endParaRPr lang="hu-HU" dirty="0"/>
           </a:p>
@@ -6916,7 +6916,7 @@
           <a:p>
             <a:fld id="{22B6A5EC-5C40-4D16-A161-35791B9AB6ED}" type="datetimeFigureOut">
               <a:rPr lang="hu-HU" smtClean="0"/>
-              <a:t>2022. 04. 24.</a:t>
+              <a:t>2022. 05. 07.</a:t>
             </a:fld>
             <a:endParaRPr lang="hu-HU"/>
           </a:p>
@@ -7058,7 +7058,7 @@
           <a:p>
             <a:fld id="{22B6A5EC-5C40-4D16-A161-35791B9AB6ED}" type="datetimeFigureOut">
               <a:rPr lang="hu-HU" smtClean="0"/>
-              <a:t>2022. 04. 24.</a:t>
+              <a:t>2022. 05. 07.</a:t>
             </a:fld>
             <a:endParaRPr lang="hu-HU"/>
           </a:p>
@@ -7171,7 +7171,7 @@
           <a:p>
             <a:fld id="{22B6A5EC-5C40-4D16-A161-35791B9AB6ED}" type="datetimeFigureOut">
               <a:rPr lang="hu-HU" smtClean="0"/>
-              <a:t>2022. 04. 24.</a:t>
+              <a:t>2022. 05. 07.</a:t>
             </a:fld>
             <a:endParaRPr lang="hu-HU"/>
           </a:p>
@@ -7484,7 +7484,7 @@
           <a:p>
             <a:fld id="{22B6A5EC-5C40-4D16-A161-35791B9AB6ED}" type="datetimeFigureOut">
               <a:rPr lang="hu-HU" smtClean="0"/>
-              <a:t>2022. 04. 24.</a:t>
+              <a:t>2022. 05. 07.</a:t>
             </a:fld>
             <a:endParaRPr lang="hu-HU"/>
           </a:p>
@@ -7773,7 +7773,7 @@
           <a:p>
             <a:fld id="{22B6A5EC-5C40-4D16-A161-35791B9AB6ED}" type="datetimeFigureOut">
               <a:rPr lang="hu-HU" smtClean="0"/>
-              <a:t>2022. 04. 24.</a:t>
+              <a:t>2022. 05. 07.</a:t>
             </a:fld>
             <a:endParaRPr lang="hu-HU"/>
           </a:p>
@@ -8016,7 +8016,7 @@
           <a:p>
             <a:fld id="{22B6A5EC-5C40-4D16-A161-35791B9AB6ED}" type="datetimeFigureOut">
               <a:rPr lang="hu-HU" smtClean="0"/>
-              <a:t>2022. 04. 24.</a:t>
+              <a:t>2022. 05. 07.</a:t>
             </a:fld>
             <a:endParaRPr lang="hu-HU"/>
           </a:p>
@@ -10931,8 +10931,8 @@
             </a:prstGeom>
           </p:spPr>
         </p:pic>
-        <mc:AlternateContent xmlns:mc="http://schemas.openxmlformats.org/markup-compatibility/2006">
-          <mc:Choice xmlns:p14="http://schemas.microsoft.com/office/powerpoint/2010/main" xmlns:aink="http://schemas.microsoft.com/office/drawing/2016/ink" Requires="p14 aink">
+        <mc:AlternateContent xmlns:mc="http://schemas.openxmlformats.org/markup-compatibility/2006" xmlns:p14="http://schemas.microsoft.com/office/powerpoint/2010/main" xmlns:aink="http://schemas.microsoft.com/office/drawing/2016/ink">
+          <mc:Choice Requires="p14 aink">
             <p:contentPart p14:bwMode="auto" r:id="rId10">
               <p14:nvContentPartPr>
                 <p14:cNvPr id="40" name="Ink 39">
@@ -10951,7 +10951,7 @@
               </p14:xfrm>
             </p:contentPart>
           </mc:Choice>
-          <mc:Fallback>
+          <mc:Fallback xmlns="">
             <p:pic>
               <p:nvPicPr>
                 <p:cNvPr id="40" name="Ink 39">
@@ -10982,8 +10982,8 @@
             </p:pic>
           </mc:Fallback>
         </mc:AlternateContent>
-        <mc:AlternateContent xmlns:mc="http://schemas.openxmlformats.org/markup-compatibility/2006">
-          <mc:Choice xmlns:p14="http://schemas.microsoft.com/office/powerpoint/2010/main" Requires="p14">
+        <mc:AlternateContent xmlns:mc="http://schemas.openxmlformats.org/markup-compatibility/2006" xmlns:p14="http://schemas.microsoft.com/office/powerpoint/2010/main">
+          <mc:Choice Requires="p14">
             <p:contentPart p14:bwMode="auto" r:id="rId12">
               <p14:nvContentPartPr>
                 <p14:cNvPr id="41" name="Ink 40">
@@ -11002,7 +11002,7 @@
               </p14:xfrm>
             </p:contentPart>
           </mc:Choice>
-          <mc:Fallback>
+          <mc:Fallback xmlns="">
             <p:pic>
               <p:nvPicPr>
                 <p:cNvPr id="41" name="Ink 40">
@@ -11033,8 +11033,8 @@
             </p:pic>
           </mc:Fallback>
         </mc:AlternateContent>
-        <mc:AlternateContent xmlns:mc="http://schemas.openxmlformats.org/markup-compatibility/2006">
-          <mc:Choice xmlns:p14="http://schemas.microsoft.com/office/powerpoint/2010/main" Requires="p14">
+        <mc:AlternateContent xmlns:mc="http://schemas.openxmlformats.org/markup-compatibility/2006" xmlns:p14="http://schemas.microsoft.com/office/powerpoint/2010/main">
+          <mc:Choice Requires="p14">
             <p:contentPart p14:bwMode="auto" r:id="rId14">
               <p14:nvContentPartPr>
                 <p14:cNvPr id="42" name="Ink 41">
@@ -11053,7 +11053,7 @@
               </p14:xfrm>
             </p:contentPart>
           </mc:Choice>
-          <mc:Fallback>
+          <mc:Fallback xmlns="">
             <p:pic>
               <p:nvPicPr>
                 <p:cNvPr id="42" name="Ink 41">
@@ -11084,8 +11084,8 @@
             </p:pic>
           </mc:Fallback>
         </mc:AlternateContent>
-        <mc:AlternateContent xmlns:mc="http://schemas.openxmlformats.org/markup-compatibility/2006">
-          <mc:Choice xmlns:p14="http://schemas.microsoft.com/office/powerpoint/2010/main" Requires="p14">
+        <mc:AlternateContent xmlns:mc="http://schemas.openxmlformats.org/markup-compatibility/2006" xmlns:p14="http://schemas.microsoft.com/office/powerpoint/2010/main">
+          <mc:Choice Requires="p14">
             <p:contentPart p14:bwMode="auto" r:id="rId16">
               <p14:nvContentPartPr>
                 <p14:cNvPr id="45" name="Ink 44">
@@ -11104,7 +11104,7 @@
               </p14:xfrm>
             </p:contentPart>
           </mc:Choice>
-          <mc:Fallback>
+          <mc:Fallback xmlns="">
             <p:pic>
               <p:nvPicPr>
                 <p:cNvPr id="45" name="Ink 44">
@@ -11135,8 +11135,8 @@
             </p:pic>
           </mc:Fallback>
         </mc:AlternateContent>
-        <mc:AlternateContent xmlns:mc="http://schemas.openxmlformats.org/markup-compatibility/2006">
-          <mc:Choice xmlns:p14="http://schemas.microsoft.com/office/powerpoint/2010/main" Requires="p14">
+        <mc:AlternateContent xmlns:mc="http://schemas.openxmlformats.org/markup-compatibility/2006" xmlns:p14="http://schemas.microsoft.com/office/powerpoint/2010/main">
+          <mc:Choice Requires="p14">
             <p:contentPart p14:bwMode="auto" r:id="rId18">
               <p14:nvContentPartPr>
                 <p14:cNvPr id="46" name="Ink 45">
@@ -11155,7 +11155,7 @@
               </p14:xfrm>
             </p:contentPart>
           </mc:Choice>
-          <mc:Fallback>
+          <mc:Fallback xmlns="">
             <p:pic>
               <p:nvPicPr>
                 <p:cNvPr id="46" name="Ink 45">
@@ -11186,8 +11186,8 @@
             </p:pic>
           </mc:Fallback>
         </mc:AlternateContent>
-        <mc:AlternateContent xmlns:mc="http://schemas.openxmlformats.org/markup-compatibility/2006">
-          <mc:Choice xmlns:p14="http://schemas.microsoft.com/office/powerpoint/2010/main" Requires="p14">
+        <mc:AlternateContent xmlns:mc="http://schemas.openxmlformats.org/markup-compatibility/2006" xmlns:p14="http://schemas.microsoft.com/office/powerpoint/2010/main">
+          <mc:Choice Requires="p14">
             <p:contentPart p14:bwMode="auto" r:id="rId20">
               <p14:nvContentPartPr>
                 <p14:cNvPr id="47" name="Ink 46">
@@ -11206,7 +11206,7 @@
               </p14:xfrm>
             </p:contentPart>
           </mc:Choice>
-          <mc:Fallback>
+          <mc:Fallback xmlns="">
             <p:pic>
               <p:nvPicPr>
                 <p:cNvPr id="47" name="Ink 46">
@@ -11237,8 +11237,8 @@
             </p:pic>
           </mc:Fallback>
         </mc:AlternateContent>
-        <mc:AlternateContent xmlns:mc="http://schemas.openxmlformats.org/markup-compatibility/2006">
-          <mc:Choice xmlns:p14="http://schemas.microsoft.com/office/powerpoint/2010/main" xmlns:aink="http://schemas.microsoft.com/office/drawing/2016/ink" Requires="p14 aink">
+        <mc:AlternateContent xmlns:mc="http://schemas.openxmlformats.org/markup-compatibility/2006" xmlns:p14="http://schemas.microsoft.com/office/powerpoint/2010/main" xmlns:aink="http://schemas.microsoft.com/office/drawing/2016/ink">
+          <mc:Choice Requires="p14 aink">
             <p:contentPart p14:bwMode="auto" r:id="rId22">
               <p14:nvContentPartPr>
                 <p14:cNvPr id="48" name="Ink 47">
@@ -11257,7 +11257,7 @@
               </p14:xfrm>
             </p:contentPart>
           </mc:Choice>
-          <mc:Fallback>
+          <mc:Fallback xmlns="">
             <p:pic>
               <p:nvPicPr>
                 <p:cNvPr id="48" name="Ink 47">
@@ -11288,8 +11288,8 @@
             </p:pic>
           </mc:Fallback>
         </mc:AlternateContent>
-        <mc:AlternateContent xmlns:mc="http://schemas.openxmlformats.org/markup-compatibility/2006">
-          <mc:Choice xmlns:p14="http://schemas.microsoft.com/office/powerpoint/2010/main" xmlns:aink="http://schemas.microsoft.com/office/drawing/2016/ink" Requires="p14 aink">
+        <mc:AlternateContent xmlns:mc="http://schemas.openxmlformats.org/markup-compatibility/2006" xmlns:p14="http://schemas.microsoft.com/office/powerpoint/2010/main" xmlns:aink="http://schemas.microsoft.com/office/drawing/2016/ink">
+          <mc:Choice Requires="p14 aink">
             <p:contentPart p14:bwMode="auto" r:id="rId24">
               <p14:nvContentPartPr>
                 <p14:cNvPr id="49" name="Ink 48">
@@ -11308,7 +11308,7 @@
               </p14:xfrm>
             </p:contentPart>
           </mc:Choice>
-          <mc:Fallback>
+          <mc:Fallback xmlns="">
             <p:pic>
               <p:nvPicPr>
                 <p:cNvPr id="49" name="Ink 48">
@@ -12283,8 +12283,8 @@
             </a:prstGeom>
           </p:spPr>
         </p:pic>
-        <mc:AlternateContent xmlns:mc="http://schemas.openxmlformats.org/markup-compatibility/2006">
-          <mc:Choice xmlns:p14="http://schemas.microsoft.com/office/powerpoint/2010/main" xmlns:aink="http://schemas.microsoft.com/office/drawing/2016/ink" Requires="p14 aink">
+        <mc:AlternateContent xmlns:mc="http://schemas.openxmlformats.org/markup-compatibility/2006" xmlns:p14="http://schemas.microsoft.com/office/powerpoint/2010/main" xmlns:aink="http://schemas.microsoft.com/office/drawing/2016/ink">
+          <mc:Choice Requires="p14 aink">
             <p:contentPart p14:bwMode="auto" r:id="rId16">
               <p14:nvContentPartPr>
                 <p14:cNvPr id="40" name="Ink 39">
@@ -12303,7 +12303,7 @@
               </p14:xfrm>
             </p:contentPart>
           </mc:Choice>
-          <mc:Fallback>
+          <mc:Fallback xmlns="">
             <p:pic>
               <p:nvPicPr>
                 <p:cNvPr id="40" name="Ink 39">
@@ -12334,8 +12334,8 @@
             </p:pic>
           </mc:Fallback>
         </mc:AlternateContent>
-        <mc:AlternateContent xmlns:mc="http://schemas.openxmlformats.org/markup-compatibility/2006">
-          <mc:Choice xmlns:p14="http://schemas.microsoft.com/office/powerpoint/2010/main" Requires="p14">
+        <mc:AlternateContent xmlns:mc="http://schemas.openxmlformats.org/markup-compatibility/2006" xmlns:p14="http://schemas.microsoft.com/office/powerpoint/2010/main">
+          <mc:Choice Requires="p14">
             <p:contentPart p14:bwMode="auto" r:id="rId18">
               <p14:nvContentPartPr>
                 <p14:cNvPr id="41" name="Ink 40">
@@ -12354,7 +12354,7 @@
               </p14:xfrm>
             </p:contentPart>
           </mc:Choice>
-          <mc:Fallback>
+          <mc:Fallback xmlns="">
             <p:pic>
               <p:nvPicPr>
                 <p:cNvPr id="41" name="Ink 40">
@@ -12385,8 +12385,8 @@
             </p:pic>
           </mc:Fallback>
         </mc:AlternateContent>
-        <mc:AlternateContent xmlns:mc="http://schemas.openxmlformats.org/markup-compatibility/2006">
-          <mc:Choice xmlns:p14="http://schemas.microsoft.com/office/powerpoint/2010/main" Requires="p14">
+        <mc:AlternateContent xmlns:mc="http://schemas.openxmlformats.org/markup-compatibility/2006" xmlns:p14="http://schemas.microsoft.com/office/powerpoint/2010/main">
+          <mc:Choice Requires="p14">
             <p:contentPart p14:bwMode="auto" r:id="rId20">
               <p14:nvContentPartPr>
                 <p14:cNvPr id="42" name="Ink 41">
@@ -12405,7 +12405,7 @@
               </p14:xfrm>
             </p:contentPart>
           </mc:Choice>
-          <mc:Fallback>
+          <mc:Fallback xmlns="">
             <p:pic>
               <p:nvPicPr>
                 <p:cNvPr id="42" name="Ink 41">
@@ -12436,8 +12436,8 @@
             </p:pic>
           </mc:Fallback>
         </mc:AlternateContent>
-        <mc:AlternateContent xmlns:mc="http://schemas.openxmlformats.org/markup-compatibility/2006">
-          <mc:Choice xmlns:p14="http://schemas.microsoft.com/office/powerpoint/2010/main" Requires="p14">
+        <mc:AlternateContent xmlns:mc="http://schemas.openxmlformats.org/markup-compatibility/2006" xmlns:p14="http://schemas.microsoft.com/office/powerpoint/2010/main">
+          <mc:Choice Requires="p14">
             <p:contentPart p14:bwMode="auto" r:id="rId22">
               <p14:nvContentPartPr>
                 <p14:cNvPr id="45" name="Ink 44">
@@ -12456,7 +12456,7 @@
               </p14:xfrm>
             </p:contentPart>
           </mc:Choice>
-          <mc:Fallback>
+          <mc:Fallback xmlns="">
             <p:pic>
               <p:nvPicPr>
                 <p:cNvPr id="45" name="Ink 44">
@@ -12487,8 +12487,8 @@
             </p:pic>
           </mc:Fallback>
         </mc:AlternateContent>
-        <mc:AlternateContent xmlns:mc="http://schemas.openxmlformats.org/markup-compatibility/2006">
-          <mc:Choice xmlns:p14="http://schemas.microsoft.com/office/powerpoint/2010/main" Requires="p14">
+        <mc:AlternateContent xmlns:mc="http://schemas.openxmlformats.org/markup-compatibility/2006" xmlns:p14="http://schemas.microsoft.com/office/powerpoint/2010/main">
+          <mc:Choice Requires="p14">
             <p:contentPart p14:bwMode="auto" r:id="rId24">
               <p14:nvContentPartPr>
                 <p14:cNvPr id="46" name="Ink 45">
@@ -12507,7 +12507,7 @@
               </p14:xfrm>
             </p:contentPart>
           </mc:Choice>
-          <mc:Fallback>
+          <mc:Fallback xmlns="">
             <p:pic>
               <p:nvPicPr>
                 <p:cNvPr id="46" name="Ink 45">
@@ -12538,8 +12538,8 @@
             </p:pic>
           </mc:Fallback>
         </mc:AlternateContent>
-        <mc:AlternateContent xmlns:mc="http://schemas.openxmlformats.org/markup-compatibility/2006">
-          <mc:Choice xmlns:p14="http://schemas.microsoft.com/office/powerpoint/2010/main" Requires="p14">
+        <mc:AlternateContent xmlns:mc="http://schemas.openxmlformats.org/markup-compatibility/2006" xmlns:p14="http://schemas.microsoft.com/office/powerpoint/2010/main">
+          <mc:Choice Requires="p14">
             <p:contentPart p14:bwMode="auto" r:id="rId26">
               <p14:nvContentPartPr>
                 <p14:cNvPr id="47" name="Ink 46">
@@ -12558,7 +12558,7 @@
               </p14:xfrm>
             </p:contentPart>
           </mc:Choice>
-          <mc:Fallback>
+          <mc:Fallback xmlns="">
             <p:pic>
               <p:nvPicPr>
                 <p:cNvPr id="47" name="Ink 46">
@@ -12589,8 +12589,8 @@
             </p:pic>
           </mc:Fallback>
         </mc:AlternateContent>
-        <mc:AlternateContent xmlns:mc="http://schemas.openxmlformats.org/markup-compatibility/2006">
-          <mc:Choice xmlns:p14="http://schemas.microsoft.com/office/powerpoint/2010/main" xmlns:aink="http://schemas.microsoft.com/office/drawing/2016/ink" Requires="p14 aink">
+        <mc:AlternateContent xmlns:mc="http://schemas.openxmlformats.org/markup-compatibility/2006" xmlns:p14="http://schemas.microsoft.com/office/powerpoint/2010/main" xmlns:aink="http://schemas.microsoft.com/office/drawing/2016/ink">
+          <mc:Choice Requires="p14 aink">
             <p:contentPart p14:bwMode="auto" r:id="rId28">
               <p14:nvContentPartPr>
                 <p14:cNvPr id="48" name="Ink 47">
@@ -12609,7 +12609,7 @@
               </p14:xfrm>
             </p:contentPart>
           </mc:Choice>
-          <mc:Fallback>
+          <mc:Fallback xmlns="">
             <p:pic>
               <p:nvPicPr>
                 <p:cNvPr id="48" name="Ink 47">
@@ -12640,8 +12640,8 @@
             </p:pic>
           </mc:Fallback>
         </mc:AlternateContent>
-        <mc:AlternateContent xmlns:mc="http://schemas.openxmlformats.org/markup-compatibility/2006">
-          <mc:Choice xmlns:p14="http://schemas.microsoft.com/office/powerpoint/2010/main" xmlns:aink="http://schemas.microsoft.com/office/drawing/2016/ink" Requires="p14 aink">
+        <mc:AlternateContent xmlns:mc="http://schemas.openxmlformats.org/markup-compatibility/2006" xmlns:p14="http://schemas.microsoft.com/office/powerpoint/2010/main" xmlns:aink="http://schemas.microsoft.com/office/drawing/2016/ink">
+          <mc:Choice Requires="p14 aink">
             <p:contentPart p14:bwMode="auto" r:id="rId30">
               <p14:nvContentPartPr>
                 <p14:cNvPr id="49" name="Ink 48">
@@ -12660,7 +12660,7 @@
               </p14:xfrm>
             </p:contentPart>
           </mc:Choice>
-          <mc:Fallback>
+          <mc:Fallback xmlns="">
             <p:pic>
               <p:nvPicPr>
                 <p:cNvPr id="49" name="Ink 48">
@@ -13422,41 +13422,6 @@
           </a:p>
         </p:txBody>
       </p:sp>
-      <p:pic>
-        <p:nvPicPr>
-          <p:cNvPr id="5" name="Content Placeholder 4" descr="Chart, histogram&#10;&#10;Description automatically generated">
-            <a:extLst>
-              <a:ext uri="{FF2B5EF4-FFF2-40B4-BE49-F238E27FC236}">
-                <a16:creationId xmlns:a16="http://schemas.microsoft.com/office/drawing/2014/main" id="{3EB78785-74E0-4D75-B4BF-F60B01992772}"/>
-              </a:ext>
-            </a:extLst>
-          </p:cNvPr>
-          <p:cNvPicPr>
-            <a:picLocks noGrp="1" noChangeAspect="1"/>
-          </p:cNvPicPr>
-          <p:nvPr>
-            <p:ph idx="1"/>
-          </p:nvPr>
-        </p:nvPicPr>
-        <p:blipFill>
-          <a:blip r:embed="rId3">
-            <a:extLst>
-              <a:ext uri="{28A0092B-C50C-407E-A947-70E740481C1C}">
-                <a14:useLocalDpi xmlns:a14="http://schemas.microsoft.com/office/drawing/2010/main" val="0"/>
-              </a:ext>
-            </a:extLst>
-          </a:blip>
-          <a:stretch>
-            <a:fillRect/>
-          </a:stretch>
-        </p:blipFill>
-        <p:spPr>
-          <a:xfrm>
-            <a:off x="838200" y="1690688"/>
-            <a:ext cx="4098145" cy="3185667"/>
-          </a:xfrm>
-        </p:spPr>
-      </p:pic>
       <p:sp>
         <p:nvSpPr>
           <p:cNvPr id="10" name="TextBox 9">
@@ -13487,7 +13452,7 @@
           <a:p>
             <a:r>
               <a:rPr lang="hu-HU" sz="1400" dirty="0"/>
-              <a:t>exact: min(E) = -51</a:t>
+              <a:t>exact: min(E) = -24</a:t>
             </a:r>
           </a:p>
         </p:txBody>
@@ -13509,8 +13474,8 @@
         </p:nvCxnSpPr>
         <p:spPr>
           <a:xfrm flipV="1">
-            <a:off x="1393571" y="4714166"/>
-            <a:ext cx="148228" cy="828988"/>
+            <a:off x="1393571" y="4458534"/>
+            <a:ext cx="0" cy="1084620"/>
           </a:xfrm>
           <a:prstGeom prst="straightConnector1">
             <a:avLst/>
@@ -13564,7 +13529,7 @@
           <a:p>
             <a:r>
               <a:rPr lang="hu-HU" sz="1400" dirty="0"/>
-              <a:t>variational: [-50, -46]</a:t>
+              <a:t>Variational (best): -24 </a:t>
             </a:r>
           </a:p>
         </p:txBody>
@@ -13640,17 +13605,57 @@
           <a:p>
             <a:r>
               <a:rPr lang="hu-HU" sz="1400" dirty="0"/>
-              <a:t>Shots: 30</a:t>
+              <a:t>Shots: 20</a:t>
             </a:r>
           </a:p>
           <a:p>
             <a:r>
               <a:rPr lang="hu-HU" sz="1400" dirty="0"/>
-              <a:t>Updates: 15</a:t>
-            </a:r>
+              <a:t>Updates</a:t>
+            </a:r>
+            <a:r>
+              <a:rPr lang="hu-HU" sz="1400"/>
+              <a:t>: 30</a:t>
+            </a:r>
+            <a:endParaRPr lang="hu-HU" sz="1400" dirty="0"/>
           </a:p>
         </p:txBody>
       </p:sp>
+      <p:pic>
+        <p:nvPicPr>
+          <p:cNvPr id="7" name="Content Placeholder 6" descr="Chart, histogram&#10;&#10;Description automatically generated">
+            <a:extLst>
+              <a:ext uri="{FF2B5EF4-FFF2-40B4-BE49-F238E27FC236}">
+                <a16:creationId xmlns:a16="http://schemas.microsoft.com/office/drawing/2014/main" id="{E5981C0E-20A2-9035-B37D-35C4A648ABBB}"/>
+              </a:ext>
+            </a:extLst>
+          </p:cNvPr>
+          <p:cNvPicPr>
+            <a:picLocks noGrp="1" noChangeAspect="1"/>
+          </p:cNvPicPr>
+          <p:nvPr>
+            <p:ph idx="1"/>
+          </p:nvPr>
+        </p:nvPicPr>
+        <p:blipFill>
+          <a:blip r:embed="rId3">
+            <a:extLst>
+              <a:ext uri="{28A0092B-C50C-407E-A947-70E740481C1C}">
+                <a14:useLocalDpi xmlns:a14="http://schemas.microsoft.com/office/drawing/2010/main" val="0"/>
+              </a:ext>
+            </a:extLst>
+          </a:blip>
+          <a:stretch>
+            <a:fillRect/>
+          </a:stretch>
+        </p:blipFill>
+        <p:spPr>
+          <a:xfrm>
+            <a:off x="498630" y="1393585"/>
+            <a:ext cx="4607327" cy="3455495"/>
+          </a:xfrm>
+        </p:spPr>
+      </p:pic>
     </p:spTree>
     <p:extLst>
       <p:ext uri="{BB962C8B-B14F-4D97-AF65-F5344CB8AC3E}">
